--- a/non-parametric-learners/ryan_henning/kNN & Decision Trees.pptx
+++ b/non-parametric-learners/ryan_henning/kNN & Decision Trees.pptx
@@ -3483,7 +3483,7 @@
             </a:pPr>
             <a:r>
               <a:rPr lang="en"/>
-              <a:t>Note, the prediction computation time can grow large as the dataset size grows large.</a:t>
+              <a:t>Note, the prediction computation time can grow large as the dataset size grows large. How does that compare to lin. reg?</a:t>
             </a:r>
           </a:p>
           <a:p>
@@ -10237,7 +10237,7 @@
     <a:masterClrMapping/>
   </p:clrMapOvr>
   <p:transition spd="slow">
-    <p:cut/>
+    <p:fade/>
   </p:transition>
 </p:sld>
 </file>
@@ -10469,7 +10469,7 @@
             <a:r>
               <a:rPr lang="en">
                 <a:solidFill>
-                  <a:srgbClr val="CC4125"/>
+                  <a:srgbClr val="666666"/>
                 </a:solidFill>
               </a:rPr>
               <a:t>Speaking of distance… what distance metric are we using anyway?</a:t>
@@ -10483,7 +10483,7 @@
     <a:masterClrMapping/>
   </p:clrMapOvr>
   <p:transition spd="slow">
-    <p:cut/>
+    <p:fade/>
   </p:transition>
   <p:timing>
     <p:tnLst>
@@ -10790,8 +10790,8 @@
         </p:nvSpPr>
         <p:spPr>
           <a:xfrm>
-            <a:off x="1627800" y="4006517"/>
-            <a:ext cx="3015000" cy="479700"/>
+            <a:off x="115000" y="4006525"/>
+            <a:ext cx="4527900" cy="479700"/>
           </a:xfrm>
           <a:prstGeom prst="rect">
             <a:avLst/>
@@ -10811,7 +10811,7 @@
             </a:pPr>
             <a:r>
               <a:rPr lang="en"/>
-              <a:t>1 - Cosine Similarity:</a:t>
+              <a:t> Cosine Distance = 1 - Cosine Similarity:</a:t>
             </a:r>
           </a:p>
           <a:p>
@@ -10834,7 +10834,7 @@
     <a:masterClrMapping/>
   </p:clrMapOvr>
   <p:transition spd="slow">
-    <p:cut/>
+    <p:fade/>
   </p:transition>
   <p:timing>
     <p:tnLst>
@@ -11536,7 +11536,7 @@
     <a:masterClrMapping/>
   </p:clrMapOvr>
   <p:transition spd="slow">
-    <p:cut/>
+    <p:fade/>
   </p:transition>
   <p:timing>
     <p:tnLst>
@@ -11862,8 +11862,8 @@
         </p:nvSpPr>
         <p:spPr>
           <a:xfrm>
-            <a:off x="6341350" y="1047450"/>
-            <a:ext cx="2463000" cy="834300"/>
+            <a:off x="5957050" y="666450"/>
+            <a:ext cx="3070500" cy="834300"/>
           </a:xfrm>
           <a:prstGeom prst="rect">
             <a:avLst/>
@@ -11928,8 +11928,8 @@
         </p:blipFill>
         <p:spPr>
           <a:xfrm>
-            <a:off x="6709374" y="1764949"/>
-            <a:ext cx="1925050" cy="344100"/>
+            <a:off x="6709374" y="1383949"/>
+            <a:ext cx="1925050" cy="344099"/>
           </a:xfrm>
           <a:prstGeom prst="rect">
             <a:avLst/>
@@ -11948,8 +11948,8 @@
         </p:nvSpPr>
         <p:spPr>
           <a:xfrm>
-            <a:off x="6341350" y="3839999"/>
-            <a:ext cx="2463000" cy="1199100"/>
+            <a:off x="5957025" y="3154200"/>
+            <a:ext cx="3070500" cy="1845000"/>
           </a:xfrm>
           <a:prstGeom prst="rect">
             <a:avLst/>
@@ -11964,6 +11964,38 @@
             <a:noAutofit/>
           </a:bodyPr>
           <a:lstStyle/>
+          <a:p>
+            <a:pPr lvl="0">
+              <a:spcBef>
+                <a:spcPts val="0"/>
+              </a:spcBef>
+              <a:buNone/>
+            </a:pPr>
+            <a:r>
+              <a:rPr lang="en" sz="1800">
+                <a:solidFill>
+                  <a:srgbClr val="FF0000"/>
+                </a:solidFill>
+              </a:rPr>
+              <a:t>How can we do regression with kNN?</a:t>
+            </a:r>
+          </a:p>
+          <a:p>
+            <a:pPr lvl="0">
+              <a:spcBef>
+                <a:spcPts val="0"/>
+              </a:spcBef>
+              <a:buNone/>
+            </a:pPr>
+            <a:r>
+              <a:t/>
+            </a:r>
+            <a:endParaRPr sz="1800">
+              <a:solidFill>
+                <a:srgbClr val="666666"/>
+              </a:solidFill>
+            </a:endParaRPr>
+          </a:p>
           <a:p>
             <a:pPr lvl="0" rtl="0">
               <a:spcBef>
@@ -12626,8 +12658,8 @@
         </p:nvSpPr>
         <p:spPr>
           <a:xfrm>
-            <a:off x="6341350" y="2321412"/>
-            <a:ext cx="2463000" cy="834300"/>
+            <a:off x="5957050" y="1940425"/>
+            <a:ext cx="3070500" cy="834300"/>
           </a:xfrm>
           <a:prstGeom prst="rect">
             <a:avLst/>
@@ -12692,7 +12724,7 @@
         </p:blipFill>
         <p:spPr>
           <a:xfrm>
-            <a:off x="6736841" y="3038789"/>
+            <a:off x="6736841" y="2657789"/>
             <a:ext cx="1870109" cy="344100"/>
           </a:xfrm>
           <a:prstGeom prst="rect">
@@ -12962,7 +12994,7 @@
     <a:masterClrMapping/>
   </p:clrMapOvr>
   <p:transition spd="slow">
-    <p:cut/>
+    <p:fade/>
   </p:transition>
   <p:timing>
     <p:tnLst>
@@ -13174,7 +13206,11 @@
                                           </p:stCondLst>
                                         </p:cTn>
                                         <p:tgtEl>
-                                          <p:spTgt spid="199"/>
+                                          <p:spTgt spid="199">
+                                            <p:txEl>
+                                              <p:pRg end="0" st="0"/>
+                                            </p:txEl>
+                                          </p:spTgt>
                                         </p:tgtEl>
                                         <p:attrNameLst>
                                           <p:attrName>style.visibility</p:attrName>
@@ -13188,7 +13224,133 @@
                                       <p:cBhvr>
                                         <p:cTn dur="1000"/>
                                         <p:tgtEl>
-                                          <p:spTgt spid="199"/>
+                                          <p:spTgt spid="199">
+                                            <p:txEl>
+                                              <p:pRg end="0" st="0"/>
+                                            </p:txEl>
+                                          </p:spTgt>
+                                        </p:tgtEl>
+                                      </p:cBhvr>
+                                    </p:animEffect>
+                                  </p:childTnLst>
+                                </p:cTn>
+                              </p:par>
+                            </p:childTnLst>
+                          </p:cTn>
+                        </p:par>
+                      </p:childTnLst>
+                    </p:cTn>
+                  </p:par>
+                  <p:par>
+                    <p:cTn fill="hold">
+                      <p:stCondLst>
+                        <p:cond delay="indefinite"/>
+                      </p:stCondLst>
+                      <p:childTnLst>
+                        <p:par>
+                          <p:cTn fill="hold">
+                            <p:stCondLst>
+                              <p:cond delay="0"/>
+                            </p:stCondLst>
+                            <p:childTnLst>
+                              <p:par>
+                                <p:cTn fill="hold" nodeType="clickEffect" presetClass="entr" presetID="10" presetSubtype="0">
+                                  <p:stCondLst>
+                                    <p:cond delay="0"/>
+                                  </p:stCondLst>
+                                  <p:childTnLst>
+                                    <p:set>
+                                      <p:cBhvr>
+                                        <p:cTn dur="1" fill="hold">
+                                          <p:stCondLst>
+                                            <p:cond delay="0"/>
+                                          </p:stCondLst>
+                                        </p:cTn>
+                                        <p:tgtEl>
+                                          <p:spTgt spid="199">
+                                            <p:txEl>
+                                              <p:pRg end="1" st="1"/>
+                                            </p:txEl>
+                                          </p:spTgt>
+                                        </p:tgtEl>
+                                        <p:attrNameLst>
+                                          <p:attrName>style.visibility</p:attrName>
+                                        </p:attrNameLst>
+                                      </p:cBhvr>
+                                      <p:to>
+                                        <p:strVal val="visible"/>
+                                      </p:to>
+                                    </p:set>
+                                    <p:animEffect filter="fade" transition="in">
+                                      <p:cBhvr>
+                                        <p:cTn dur="1000"/>
+                                        <p:tgtEl>
+                                          <p:spTgt spid="199">
+                                            <p:txEl>
+                                              <p:pRg end="1" st="1"/>
+                                            </p:txEl>
+                                          </p:spTgt>
+                                        </p:tgtEl>
+                                      </p:cBhvr>
+                                    </p:animEffect>
+                                  </p:childTnLst>
+                                </p:cTn>
+                              </p:par>
+                            </p:childTnLst>
+                          </p:cTn>
+                        </p:par>
+                      </p:childTnLst>
+                    </p:cTn>
+                  </p:par>
+                  <p:par>
+                    <p:cTn fill="hold">
+                      <p:stCondLst>
+                        <p:cond delay="indefinite"/>
+                      </p:stCondLst>
+                      <p:childTnLst>
+                        <p:par>
+                          <p:cTn fill="hold">
+                            <p:stCondLst>
+                              <p:cond delay="0"/>
+                            </p:stCondLst>
+                            <p:childTnLst>
+                              <p:par>
+                                <p:cTn fill="hold" nodeType="clickEffect" presetClass="entr" presetID="10" presetSubtype="0">
+                                  <p:stCondLst>
+                                    <p:cond delay="0"/>
+                                  </p:stCondLst>
+                                  <p:childTnLst>
+                                    <p:set>
+                                      <p:cBhvr>
+                                        <p:cTn dur="1" fill="hold">
+                                          <p:stCondLst>
+                                            <p:cond delay="0"/>
+                                          </p:stCondLst>
+                                        </p:cTn>
+                                        <p:tgtEl>
+                                          <p:spTgt spid="199">
+                                            <p:txEl>
+                                              <p:pRg end="2" st="2"/>
+                                            </p:txEl>
+                                          </p:spTgt>
+                                        </p:tgtEl>
+                                        <p:attrNameLst>
+                                          <p:attrName>style.visibility</p:attrName>
+                                        </p:attrNameLst>
+                                      </p:cBhvr>
+                                      <p:to>
+                                        <p:strVal val="visible"/>
+                                      </p:to>
+                                    </p:set>
+                                    <p:animEffect filter="fade" transition="in">
+                                      <p:cBhvr>
+                                        <p:cTn dur="1000"/>
+                                        <p:tgtEl>
+                                          <p:spTgt spid="199">
+                                            <p:txEl>
+                                              <p:pRg end="2" st="2"/>
+                                            </p:txEl>
+                                          </p:spTgt>
                                         </p:tgtEl>
                                       </p:cBhvr>
                                     </p:animEffect>
@@ -13392,7 +13554,7 @@
     <a:masterClrMapping/>
   </p:clrMapOvr>
   <p:transition spd="slow">
-    <p:cut/>
+    <p:fade/>
   </p:transition>
   <p:timing>
     <p:tnLst>
@@ -13942,7 +14104,7 @@
     <a:masterClrMapping/>
   </p:clrMapOvr>
   <p:transition spd="slow">
-    <p:cut/>
+    <p:fade/>
   </p:transition>
   <p:timing>
     <p:tnLst>
@@ -14841,7 +15003,7 @@
     <a:masterClrMapping/>
   </p:clrMapOvr>
   <p:transition spd="slow">
-    <p:cut/>
+    <p:fade/>
   </p:transition>
   <p:timing>
     <p:tnLst>
@@ -15506,7 +15668,7 @@
     <a:masterClrMapping/>
   </p:clrMapOvr>
   <p:transition spd="slow">
-    <p:cut/>
+    <p:fade/>
   </p:transition>
   <p:timing>
     <p:tnLst>
@@ -16342,7 +16504,7 @@
     <a:masterClrMapping/>
   </p:clrMapOvr>
   <p:transition spd="slow">
-    <p:cut/>
+    <p:fade/>
   </p:transition>
   <p:timing>
     <p:tnLst>
@@ -16827,8 +16989,8 @@
         </p:nvSpPr>
         <p:spPr>
           <a:xfrm>
-            <a:off x="471900" y="1919075"/>
-            <a:ext cx="8222100" cy="3063300"/>
+            <a:off x="471900" y="1810725"/>
+            <a:ext cx="8222100" cy="3171600"/>
           </a:xfrm>
           <a:prstGeom prst="rect">
             <a:avLst/>
@@ -16872,7 +17034,7 @@
             </a:pPr>
             <a:r>
               <a:rPr lang="en"/>
-              <a:t>An 10% neighborhood in a high dimensional unit hypercube requires a hypersphere with large radius.</a:t>
+              <a:t>A 10% neighborhood in a high dimensional unit hypercube requires a hypersphere with large radius.</a:t>
             </a:r>
           </a:p>
           <a:p>
@@ -16883,7 +17045,18 @@
             </a:pPr>
             <a:r>
               <a:rPr lang="en"/>
-              <a:t>Hyperspheres are weird in high dimensions… I think of them as super-pointy!</a:t>
+              <a:t>Hyperspheres are weird in high dimensions…</a:t>
+            </a:r>
+          </a:p>
+          <a:p>
+            <a:pPr indent="-228600" lvl="1" marL="914400" rtl="0">
+              <a:spcBef>
+                <a:spcPts val="0"/>
+              </a:spcBef>
+            </a:pPr>
+            <a:r>
+              <a:rPr lang="en"/>
+              <a:t>“They are super-pointy!” (Ryan’s interpretation)</a:t>
             </a:r>
             <a:br>
               <a:rPr lang="en"/>
@@ -16919,7 +17092,7 @@
     <a:masterClrMapping/>
   </p:clrMapOvr>
   <p:transition spd="slow">
-    <p:cut/>
+    <p:fade/>
   </p:transition>
   <p:timing>
     <p:tnLst>
@@ -17295,6 +17468,67 @@
                       </p:childTnLst>
                     </p:cTn>
                   </p:par>
+                  <p:par>
+                    <p:cTn fill="hold">
+                      <p:stCondLst>
+                        <p:cond delay="indefinite"/>
+                      </p:stCondLst>
+                      <p:childTnLst>
+                        <p:par>
+                          <p:cTn fill="hold">
+                            <p:stCondLst>
+                              <p:cond delay="0"/>
+                            </p:stCondLst>
+                            <p:childTnLst>
+                              <p:par>
+                                <p:cTn fill="hold" nodeType="clickEffect" presetClass="entr" presetID="10" presetSubtype="0">
+                                  <p:stCondLst>
+                                    <p:cond delay="0"/>
+                                  </p:stCondLst>
+                                  <p:childTnLst>
+                                    <p:set>
+                                      <p:cBhvr>
+                                        <p:cTn dur="1" fill="hold">
+                                          <p:stCondLst>
+                                            <p:cond delay="0"/>
+                                          </p:stCondLst>
+                                        </p:cTn>
+                                        <p:tgtEl>
+                                          <p:spTgt spid="285">
+                                            <p:txEl>
+                                              <p:pRg end="6" st="6"/>
+                                            </p:txEl>
+                                          </p:spTgt>
+                                        </p:tgtEl>
+                                        <p:attrNameLst>
+                                          <p:attrName>style.visibility</p:attrName>
+                                        </p:attrNameLst>
+                                      </p:cBhvr>
+                                      <p:to>
+                                        <p:strVal val="visible"/>
+                                      </p:to>
+                                    </p:set>
+                                    <p:animEffect filter="fade" transition="in">
+                                      <p:cBhvr>
+                                        <p:cTn dur="1000"/>
+                                        <p:tgtEl>
+                                          <p:spTgt spid="285">
+                                            <p:txEl>
+                                              <p:pRg end="6" st="6"/>
+                                            </p:txEl>
+                                          </p:spTgt>
+                                        </p:tgtEl>
+                                      </p:cBhvr>
+                                    </p:animEffect>
+                                  </p:childTnLst>
+                                </p:cTn>
+                              </p:par>
+                            </p:childTnLst>
+                          </p:cTn>
+                        </p:par>
+                      </p:childTnLst>
+                    </p:cTn>
+                  </p:par>
                 </p:childTnLst>
               </p:cTn>
               <p:prevCondLst>
@@ -17916,7 +18150,7 @@
     <a:masterClrMapping/>
   </p:clrMapOvr>
   <p:transition spd="slow">
-    <p:cut/>
+    <p:fade/>
   </p:transition>
   <p:timing>
     <p:tnLst>
@@ -18461,7 +18695,7 @@
     <a:masterClrMapping/>
   </p:clrMapOvr>
   <p:transition spd="slow">
-    <p:cut/>
+    <p:fade/>
   </p:transition>
   <p:timing>
     <p:tnLst>
@@ -18931,7 +19165,7 @@
     <a:masterClrMapping/>
   </p:clrMapOvr>
   <p:transition spd="slow">
-    <p:cut/>
+    <p:fade/>
   </p:transition>
 </p:sld>
 </file>
@@ -19110,7 +19344,7 @@
     <a:masterClrMapping/>
   </p:clrMapOvr>
   <p:transition spd="slow">
-    <p:cut/>
+    <p:fade/>
   </p:transition>
 </p:sld>
 </file>
@@ -20439,7 +20673,7 @@
     <a:masterClrMapping/>
   </p:clrMapOvr>
   <p:transition spd="slow">
-    <p:cut/>
+    <p:fade/>
   </p:transition>
   <p:timing>
     <p:tnLst>
@@ -21996,7 +22230,7 @@
     <a:masterClrMapping/>
   </p:clrMapOvr>
   <p:transition spd="slow">
-    <p:cut/>
+    <p:fade/>
   </p:transition>
   <p:timing>
     <p:tnLst>
@@ -22596,7 +22830,7 @@
     <a:masterClrMapping/>
   </p:clrMapOvr>
   <p:transition spd="slow">
-    <p:cut/>
+    <p:fade/>
   </p:transition>
   <p:timing>
     <p:tnLst>
@@ -23515,7 +23749,7 @@
     <a:masterClrMapping/>
   </p:clrMapOvr>
   <p:transition spd="slow">
-    <p:cut/>
+    <p:fade/>
   </p:transition>
   <p:timing>
     <p:tnLst>
@@ -24554,7 +24788,7 @@
     <a:masterClrMapping/>
   </p:clrMapOvr>
   <p:transition spd="slow">
-    <p:cut/>
+    <p:fade/>
   </p:transition>
   <p:timing>
     <p:tnLst>
@@ -25363,7 +25597,7 @@
     <a:masterClrMapping/>
   </p:clrMapOvr>
   <p:transition spd="slow">
-    <p:cut/>
+    <p:fade/>
   </p:transition>
 </p:sld>
 </file>
@@ -26319,7 +26553,7 @@
     <a:masterClrMapping/>
   </p:clrMapOvr>
   <p:transition spd="slow">
-    <p:cut/>
+    <p:fade/>
   </p:transition>
   <p:timing>
     <p:tnLst>
@@ -27252,7 +27486,7 @@
     <a:masterClrMapping/>
   </p:clrMapOvr>
   <p:transition spd="slow">
-    <p:cut/>
+    <p:fade/>
   </p:transition>
   <p:timing>
     <p:tnLst>
@@ -30620,7 +30854,7 @@
     <a:masterClrMapping/>
   </p:clrMapOvr>
   <p:transition spd="slow">
-    <p:cut/>
+    <p:fade/>
   </p:transition>
   <p:timing>
     <p:tnLst>
@@ -35579,7 +35813,7 @@
     <a:masterClrMapping/>
   </p:clrMapOvr>
   <p:transition spd="slow">
-    <p:cut/>
+    <p:fade/>
   </p:transition>
   <p:timing>
     <p:tnLst>
@@ -39052,7 +39286,7 @@
     <a:masterClrMapping/>
   </p:clrMapOvr>
   <p:transition spd="slow">
-    <p:cut/>
+    <p:fade/>
   </p:transition>
 </p:sld>
 </file>
@@ -41946,7 +42180,7 @@
     <a:masterClrMapping/>
   </p:clrMapOvr>
   <p:transition spd="slow">
-    <p:cut/>
+    <p:fade/>
   </p:transition>
   <p:timing>
     <p:tnLst>
@@ -42286,7 +42520,7 @@
     <a:masterClrMapping/>
   </p:clrMapOvr>
   <p:transition spd="slow">
-    <p:cut/>
+    <p:fade/>
   </p:transition>
   <p:timing>
     <p:tnLst>
@@ -43841,7 +44075,7 @@
     <a:masterClrMapping/>
   </p:clrMapOvr>
   <p:transition spd="slow">
-    <p:cut/>
+    <p:fade/>
   </p:transition>
   <p:timing>
     <p:tnLst>
@@ -44806,7 +45040,7 @@
     <a:masterClrMapping/>
   </p:clrMapOvr>
   <p:transition spd="slow">
-    <p:cut/>
+    <p:fade/>
   </p:transition>
 </p:sld>
 </file>
@@ -45033,7 +45267,7 @@
     <a:masterClrMapping/>
   </p:clrMapOvr>
   <p:transition spd="slow">
-    <p:cut/>
+    <p:fade/>
   </p:transition>
 </p:sld>
 </file>
@@ -45224,7 +45458,7 @@
     <a:masterClrMapping/>
   </p:clrMapOvr>
   <p:transition spd="slow">
-    <p:cut/>
+    <p:fade/>
   </p:transition>
   <p:timing>
     <p:tnLst>
@@ -45704,7 +45938,7 @@
     <a:masterClrMapping/>
   </p:clrMapOvr>
   <p:transition spd="slow">
-    <p:cut/>
+    <p:fade/>
   </p:transition>
 </p:sld>
 </file>
@@ -45968,7 +46202,7 @@
     <a:masterClrMapping/>
   </p:clrMapOvr>
   <p:transition spd="slow">
-    <p:cut/>
+    <p:fade/>
   </p:transition>
   <p:timing>
     <p:tnLst>
@@ -46330,7 +46564,7 @@
     <a:masterClrMapping/>
   </p:clrMapOvr>
   <p:transition spd="slow">
-    <p:cut/>
+    <p:fade/>
   </p:transition>
 </p:sld>
 </file>
@@ -46542,7 +46776,7 @@
     <a:masterClrMapping/>
   </p:clrMapOvr>
   <p:transition spd="slow">
-    <p:cut/>
+    <p:fade/>
   </p:transition>
 </p:sld>
 </file>
@@ -46754,7 +46988,7 @@
     <a:masterClrMapping/>
   </p:clrMapOvr>
   <p:transition spd="slow">
-    <p:cut/>
+    <p:fade/>
   </p:transition>
 </p:sld>
 </file>
@@ -47044,7 +47278,7 @@
     <a:masterClrMapping/>
   </p:clrMapOvr>
   <p:transition spd="slow">
-    <p:cut/>
+    <p:fade/>
   </p:transition>
   <p:timing>
     <p:tnLst>
@@ -47382,7 +47616,7 @@
     <a:masterClrMapping/>
   </p:clrMapOvr>
   <p:transition spd="slow">
-    <p:cut/>
+    <p:fade/>
   </p:transition>
 </p:sld>
 </file>
@@ -47606,12 +47840,291 @@
     <a:masterClrMapping/>
   </p:clrMapOvr>
   <p:transition spd="slow">
-    <p:cut/>
+    <p:fade/>
   </p:transition>
 </p:sld>
 </file>
 
 <file path=ppt/theme/theme1.xml><?xml version="1.0" encoding="utf-8"?>
+<a:theme xmlns:a="http://schemas.openxmlformats.org/drawingml/2006/main" xmlns:r="http://schemas.openxmlformats.org/officeDocument/2006/relationships" name="material">
+  <a:themeElements>
+    <a:clrScheme name="Material">
+      <a:dk1>
+        <a:srgbClr val="4285F4"/>
+      </a:dk1>
+      <a:lt1>
+        <a:srgbClr val="FFFFFF"/>
+      </a:lt1>
+      <a:dk2>
+        <a:srgbClr val="424242"/>
+      </a:dk2>
+      <a:lt2>
+        <a:srgbClr val="737373"/>
+      </a:lt2>
+      <a:accent1>
+        <a:srgbClr val="0277BD"/>
+      </a:accent1>
+      <a:accent2>
+        <a:srgbClr val="0F9D58"/>
+      </a:accent2>
+      <a:accent3>
+        <a:srgbClr val="DB4437"/>
+      </a:accent3>
+      <a:accent4>
+        <a:srgbClr val="FAFAFA"/>
+      </a:accent4>
+      <a:accent5>
+        <a:srgbClr val="4FC3F7"/>
+      </a:accent5>
+      <a:accent6>
+        <a:srgbClr val="F4B400"/>
+      </a:accent6>
+      <a:hlink>
+        <a:srgbClr val="4FC3F7"/>
+      </a:hlink>
+      <a:folHlink>
+        <a:srgbClr val="4FC3F7"/>
+      </a:folHlink>
+    </a:clrScheme>
+    <a:fontScheme name="Office">
+      <a:majorFont>
+        <a:latin typeface="Arial"/>
+        <a:ea typeface=""/>
+        <a:cs typeface=""/>
+        <a:font script="Jpan" typeface="ＭＳ Ｐゴシック"/>
+        <a:font script="Hang" typeface="맑은 고딕"/>
+        <a:font script="Hans" typeface="宋体"/>
+        <a:font script="Hant" typeface="新細明體"/>
+        <a:font script="Arab" typeface="Times New Roman"/>
+        <a:font script="Hebr" typeface="Times New Roman"/>
+        <a:font script="Thai" typeface="Angsana New"/>
+        <a:font script="Ethi" typeface="Nyala"/>
+        <a:font script="Beng" typeface="Vrinda"/>
+        <a:font script="Gujr" typeface="Shruti"/>
+        <a:font script="Khmr" typeface="MoolBoran"/>
+        <a:font script="Knda" typeface="Tunga"/>
+        <a:font script="Guru" typeface="Raavi"/>
+        <a:font script="Cans" typeface="Euphemia"/>
+        <a:font script="Cher" typeface="Plantagenet Cherokee"/>
+        <a:font script="Yiii" typeface="Microsoft Yi Baiti"/>
+        <a:font script="Tibt" typeface="Microsoft Himalaya"/>
+        <a:font script="Thaa" typeface="MV Boli"/>
+        <a:font script="Deva" typeface="Mangal"/>
+        <a:font script="Telu" typeface="Gautami"/>
+        <a:font script="Taml" typeface="Latha"/>
+        <a:font script="Syrc" typeface="Estrangelo Edessa"/>
+        <a:font script="Orya" typeface="Kalinga"/>
+        <a:font script="Mlym" typeface="Kartika"/>
+        <a:font script="Laoo" typeface="DokChampa"/>
+        <a:font script="Sinh" typeface="Iskoola Pota"/>
+        <a:font script="Mong" typeface="Mongolian Baiti"/>
+        <a:font script="Viet" typeface="Times New Roman"/>
+        <a:font script="Uigh" typeface="Microsoft Uighur"/>
+        <a:font script="Geor" typeface="Sylfaen"/>
+      </a:majorFont>
+      <a:minorFont>
+        <a:latin typeface="Arial"/>
+        <a:ea typeface=""/>
+        <a:cs typeface=""/>
+        <a:font script="Jpan" typeface="ＭＳ Ｐゴシック"/>
+        <a:font script="Hang" typeface="맑은 고딕"/>
+        <a:font script="Hans" typeface="宋体"/>
+        <a:font script="Hant" typeface="新細明體"/>
+        <a:font script="Arab" typeface="Arial"/>
+        <a:font script="Hebr" typeface="Arial"/>
+        <a:font script="Thai" typeface="Cordia New"/>
+        <a:font script="Ethi" typeface="Nyala"/>
+        <a:font script="Beng" typeface="Vrinda"/>
+        <a:font script="Gujr" typeface="Shruti"/>
+        <a:font script="Khmr" typeface="DaunPenh"/>
+        <a:font script="Knda" typeface="Tunga"/>
+        <a:font script="Guru" typeface="Raavi"/>
+        <a:font script="Cans" typeface="Euphemia"/>
+        <a:font script="Cher" typeface="Plantagenet Cherokee"/>
+        <a:font script="Yiii" typeface="Microsoft Yi Baiti"/>
+        <a:font script="Tibt" typeface="Microsoft Himalaya"/>
+        <a:font script="Thaa" typeface="MV Boli"/>
+        <a:font script="Deva" typeface="Mangal"/>
+        <a:font script="Telu" typeface="Gautami"/>
+        <a:font script="Taml" typeface="Latha"/>
+        <a:font script="Syrc" typeface="Estrangelo Edessa"/>
+        <a:font script="Orya" typeface="Kalinga"/>
+        <a:font script="Mlym" typeface="Kartika"/>
+        <a:font script="Laoo" typeface="DokChampa"/>
+        <a:font script="Sinh" typeface="Iskoola Pota"/>
+        <a:font script="Mong" typeface="Mongolian Baiti"/>
+        <a:font script="Viet" typeface="Arial"/>
+        <a:font script="Uigh" typeface="Microsoft Uighur"/>
+        <a:font script="Geor" typeface="Sylfaen"/>
+      </a:minorFont>
+    </a:fontScheme>
+    <a:fmtScheme name="Office">
+      <a:fillStyleLst>
+        <a:solidFill>
+          <a:schemeClr val="phClr"/>
+        </a:solidFill>
+        <a:gradFill rotWithShape="1">
+          <a:gsLst>
+            <a:gs pos="0">
+              <a:schemeClr val="phClr">
+                <a:tint val="50000"/>
+                <a:satMod val="300000"/>
+              </a:schemeClr>
+            </a:gs>
+            <a:gs pos="35000">
+              <a:schemeClr val="phClr">
+                <a:tint val="37000"/>
+                <a:satMod val="300000"/>
+              </a:schemeClr>
+            </a:gs>
+            <a:gs pos="100000">
+              <a:schemeClr val="phClr">
+                <a:tint val="15000"/>
+                <a:satMod val="350000"/>
+              </a:schemeClr>
+            </a:gs>
+          </a:gsLst>
+          <a:lin ang="16200000" scaled="1"/>
+        </a:gradFill>
+        <a:gradFill rotWithShape="1">
+          <a:gsLst>
+            <a:gs pos="0">
+              <a:schemeClr val="phClr">
+                <a:tint val="100000"/>
+                <a:shade val="100000"/>
+                <a:satMod val="130000"/>
+              </a:schemeClr>
+            </a:gs>
+            <a:gs pos="100000">
+              <a:schemeClr val="phClr">
+                <a:tint val="50000"/>
+                <a:shade val="100000"/>
+                <a:satMod val="350000"/>
+              </a:schemeClr>
+            </a:gs>
+          </a:gsLst>
+          <a:lin ang="16200000" scaled="0"/>
+        </a:gradFill>
+      </a:fillStyleLst>
+      <a:lnStyleLst>
+        <a:ln w="9525" cap="flat" cmpd="sng" algn="ctr">
+          <a:solidFill>
+            <a:schemeClr val="phClr">
+              <a:shade val="95000"/>
+              <a:satMod val="105000"/>
+            </a:schemeClr>
+          </a:solidFill>
+          <a:prstDash val="solid"/>
+        </a:ln>
+        <a:ln w="25400" cap="flat" cmpd="sng" algn="ctr">
+          <a:solidFill>
+            <a:schemeClr val="phClr"/>
+          </a:solidFill>
+          <a:prstDash val="solid"/>
+        </a:ln>
+        <a:ln w="38100" cap="flat" cmpd="sng" algn="ctr">
+          <a:solidFill>
+            <a:schemeClr val="phClr"/>
+          </a:solidFill>
+          <a:prstDash val="solid"/>
+        </a:ln>
+      </a:lnStyleLst>
+      <a:effectStyleLst>
+        <a:effectStyle>
+          <a:effectLst>
+            <a:outerShdw blurRad="40000" dist="20000" dir="5400000" rotWithShape="0">
+              <a:srgbClr val="000000">
+                <a:alpha val="38000"/>
+              </a:srgbClr>
+            </a:outerShdw>
+          </a:effectLst>
+        </a:effectStyle>
+        <a:effectStyle>
+          <a:effectLst>
+            <a:outerShdw blurRad="40000" dist="23000" dir="5400000" rotWithShape="0">
+              <a:srgbClr val="000000">
+                <a:alpha val="35000"/>
+              </a:srgbClr>
+            </a:outerShdw>
+          </a:effectLst>
+        </a:effectStyle>
+        <a:effectStyle>
+          <a:effectLst>
+            <a:outerShdw blurRad="40000" dist="23000" dir="5400000" rotWithShape="0">
+              <a:srgbClr val="000000">
+                <a:alpha val="35000"/>
+              </a:srgbClr>
+            </a:outerShdw>
+          </a:effectLst>
+          <a:scene3d>
+            <a:camera prst="orthographicFront">
+              <a:rot lat="0" lon="0" rev="0"/>
+            </a:camera>
+            <a:lightRig rig="threePt" dir="t">
+              <a:rot lat="0" lon="0" rev="1200000"/>
+            </a:lightRig>
+          </a:scene3d>
+          <a:sp3d>
+            <a:bevelT w="63500" h="25400"/>
+          </a:sp3d>
+        </a:effectStyle>
+      </a:effectStyleLst>
+      <a:bgFillStyleLst>
+        <a:solidFill>
+          <a:schemeClr val="phClr"/>
+        </a:solidFill>
+        <a:gradFill rotWithShape="1">
+          <a:gsLst>
+            <a:gs pos="0">
+              <a:schemeClr val="phClr">
+                <a:tint val="40000"/>
+                <a:satMod val="350000"/>
+              </a:schemeClr>
+            </a:gs>
+            <a:gs pos="40000">
+              <a:schemeClr val="phClr">
+                <a:tint val="45000"/>
+                <a:shade val="99000"/>
+                <a:satMod val="350000"/>
+              </a:schemeClr>
+            </a:gs>
+            <a:gs pos="100000">
+              <a:schemeClr val="phClr">
+                <a:shade val="20000"/>
+                <a:satMod val="255000"/>
+              </a:schemeClr>
+            </a:gs>
+          </a:gsLst>
+          <a:path path="circle">
+            <a:fillToRect l="50000" t="-80000" r="50000" b="180000"/>
+          </a:path>
+        </a:gradFill>
+        <a:gradFill rotWithShape="1">
+          <a:gsLst>
+            <a:gs pos="0">
+              <a:schemeClr val="phClr">
+                <a:tint val="80000"/>
+                <a:satMod val="300000"/>
+              </a:schemeClr>
+            </a:gs>
+            <a:gs pos="100000">
+              <a:schemeClr val="phClr">
+                <a:shade val="30000"/>
+                <a:satMod val="200000"/>
+              </a:schemeClr>
+            </a:gs>
+          </a:gsLst>
+          <a:path path="circle">
+            <a:fillToRect l="50000" t="50000" r="50000" b="50000"/>
+          </a:path>
+        </a:gradFill>
+      </a:bgFillStyleLst>
+    </a:fmtScheme>
+  </a:themeElements>
+</a:theme>
+</file>
+
+<file path=ppt/theme/theme2.xml><?xml version="1.0" encoding="utf-8"?>
 <a:theme xmlns:a="http://schemas.openxmlformats.org/drawingml/2006/main" xmlns:r="http://schemas.openxmlformats.org/officeDocument/2006/relationships" name="Custom Theme">
   <a:themeElements>
     <a:clrScheme name="Default">
@@ -47888,283 +48401,4 @@
     </a:fmtScheme>
   </a:themeElements>
 </a:theme>
-</file>
-
-<file path=ppt/theme/theme2.xml><?xml version="1.0" encoding="utf-8"?>
-<a:theme xmlns:a="http://schemas.openxmlformats.org/drawingml/2006/main" xmlns:r="http://schemas.openxmlformats.org/officeDocument/2006/relationships" name="material">
-  <a:themeElements>
-    <a:clrScheme name="Material">
-      <a:dk1>
-        <a:srgbClr val="4285F4"/>
-      </a:dk1>
-      <a:lt1>
-        <a:srgbClr val="FFFFFF"/>
-      </a:lt1>
-      <a:dk2>
-        <a:srgbClr val="424242"/>
-      </a:dk2>
-      <a:lt2>
-        <a:srgbClr val="737373"/>
-      </a:lt2>
-      <a:accent1>
-        <a:srgbClr val="0277BD"/>
-      </a:accent1>
-      <a:accent2>
-        <a:srgbClr val="0F9D58"/>
-      </a:accent2>
-      <a:accent3>
-        <a:srgbClr val="DB4437"/>
-      </a:accent3>
-      <a:accent4>
-        <a:srgbClr val="FAFAFA"/>
-      </a:accent4>
-      <a:accent5>
-        <a:srgbClr val="4FC3F7"/>
-      </a:accent5>
-      <a:accent6>
-        <a:srgbClr val="F4B400"/>
-      </a:accent6>
-      <a:hlink>
-        <a:srgbClr val="4FC3F7"/>
-      </a:hlink>
-      <a:folHlink>
-        <a:srgbClr val="4FC3F7"/>
-      </a:folHlink>
-    </a:clrScheme>
-    <a:fontScheme name="Office">
-      <a:majorFont>
-        <a:latin typeface="Arial"/>
-        <a:ea typeface=""/>
-        <a:cs typeface=""/>
-        <a:font script="Jpan" typeface="ＭＳ Ｐゴシック"/>
-        <a:font script="Hang" typeface="맑은 고딕"/>
-        <a:font script="Hans" typeface="宋体"/>
-        <a:font script="Hant" typeface="新細明體"/>
-        <a:font script="Arab" typeface="Times New Roman"/>
-        <a:font script="Hebr" typeface="Times New Roman"/>
-        <a:font script="Thai" typeface="Angsana New"/>
-        <a:font script="Ethi" typeface="Nyala"/>
-        <a:font script="Beng" typeface="Vrinda"/>
-        <a:font script="Gujr" typeface="Shruti"/>
-        <a:font script="Khmr" typeface="MoolBoran"/>
-        <a:font script="Knda" typeface="Tunga"/>
-        <a:font script="Guru" typeface="Raavi"/>
-        <a:font script="Cans" typeface="Euphemia"/>
-        <a:font script="Cher" typeface="Plantagenet Cherokee"/>
-        <a:font script="Yiii" typeface="Microsoft Yi Baiti"/>
-        <a:font script="Tibt" typeface="Microsoft Himalaya"/>
-        <a:font script="Thaa" typeface="MV Boli"/>
-        <a:font script="Deva" typeface="Mangal"/>
-        <a:font script="Telu" typeface="Gautami"/>
-        <a:font script="Taml" typeface="Latha"/>
-        <a:font script="Syrc" typeface="Estrangelo Edessa"/>
-        <a:font script="Orya" typeface="Kalinga"/>
-        <a:font script="Mlym" typeface="Kartika"/>
-        <a:font script="Laoo" typeface="DokChampa"/>
-        <a:font script="Sinh" typeface="Iskoola Pota"/>
-        <a:font script="Mong" typeface="Mongolian Baiti"/>
-        <a:font script="Viet" typeface="Times New Roman"/>
-        <a:font script="Uigh" typeface="Microsoft Uighur"/>
-        <a:font script="Geor" typeface="Sylfaen"/>
-      </a:majorFont>
-      <a:minorFont>
-        <a:latin typeface="Arial"/>
-        <a:ea typeface=""/>
-        <a:cs typeface=""/>
-        <a:font script="Jpan" typeface="ＭＳ Ｐゴシック"/>
-        <a:font script="Hang" typeface="맑은 고딕"/>
-        <a:font script="Hans" typeface="宋体"/>
-        <a:font script="Hant" typeface="新細明體"/>
-        <a:font script="Arab" typeface="Arial"/>
-        <a:font script="Hebr" typeface="Arial"/>
-        <a:font script="Thai" typeface="Cordia New"/>
-        <a:font script="Ethi" typeface="Nyala"/>
-        <a:font script="Beng" typeface="Vrinda"/>
-        <a:font script="Gujr" typeface="Shruti"/>
-        <a:font script="Khmr" typeface="DaunPenh"/>
-        <a:font script="Knda" typeface="Tunga"/>
-        <a:font script="Guru" typeface="Raavi"/>
-        <a:font script="Cans" typeface="Euphemia"/>
-        <a:font script="Cher" typeface="Plantagenet Cherokee"/>
-        <a:font script="Yiii" typeface="Microsoft Yi Baiti"/>
-        <a:font script="Tibt" typeface="Microsoft Himalaya"/>
-        <a:font script="Thaa" typeface="MV Boli"/>
-        <a:font script="Deva" typeface="Mangal"/>
-        <a:font script="Telu" typeface="Gautami"/>
-        <a:font script="Taml" typeface="Latha"/>
-        <a:font script="Syrc" typeface="Estrangelo Edessa"/>
-        <a:font script="Orya" typeface="Kalinga"/>
-        <a:font script="Mlym" typeface="Kartika"/>
-        <a:font script="Laoo" typeface="DokChampa"/>
-        <a:font script="Sinh" typeface="Iskoola Pota"/>
-        <a:font script="Mong" typeface="Mongolian Baiti"/>
-        <a:font script="Viet" typeface="Arial"/>
-        <a:font script="Uigh" typeface="Microsoft Uighur"/>
-        <a:font script="Geor" typeface="Sylfaen"/>
-      </a:minorFont>
-    </a:fontScheme>
-    <a:fmtScheme name="Office">
-      <a:fillStyleLst>
-        <a:solidFill>
-          <a:schemeClr val="phClr"/>
-        </a:solidFill>
-        <a:gradFill rotWithShape="1">
-          <a:gsLst>
-            <a:gs pos="0">
-              <a:schemeClr val="phClr">
-                <a:tint val="50000"/>
-                <a:satMod val="300000"/>
-              </a:schemeClr>
-            </a:gs>
-            <a:gs pos="35000">
-              <a:schemeClr val="phClr">
-                <a:tint val="37000"/>
-                <a:satMod val="300000"/>
-              </a:schemeClr>
-            </a:gs>
-            <a:gs pos="100000">
-              <a:schemeClr val="phClr">
-                <a:tint val="15000"/>
-                <a:satMod val="350000"/>
-              </a:schemeClr>
-            </a:gs>
-          </a:gsLst>
-          <a:lin ang="16200000" scaled="1"/>
-        </a:gradFill>
-        <a:gradFill rotWithShape="1">
-          <a:gsLst>
-            <a:gs pos="0">
-              <a:schemeClr val="phClr">
-                <a:tint val="100000"/>
-                <a:shade val="100000"/>
-                <a:satMod val="130000"/>
-              </a:schemeClr>
-            </a:gs>
-            <a:gs pos="100000">
-              <a:schemeClr val="phClr">
-                <a:tint val="50000"/>
-                <a:shade val="100000"/>
-                <a:satMod val="350000"/>
-              </a:schemeClr>
-            </a:gs>
-          </a:gsLst>
-          <a:lin ang="16200000" scaled="0"/>
-        </a:gradFill>
-      </a:fillStyleLst>
-      <a:lnStyleLst>
-        <a:ln w="9525" cap="flat" cmpd="sng" algn="ctr">
-          <a:solidFill>
-            <a:schemeClr val="phClr">
-              <a:shade val="95000"/>
-              <a:satMod val="105000"/>
-            </a:schemeClr>
-          </a:solidFill>
-          <a:prstDash val="solid"/>
-        </a:ln>
-        <a:ln w="25400" cap="flat" cmpd="sng" algn="ctr">
-          <a:solidFill>
-            <a:schemeClr val="phClr"/>
-          </a:solidFill>
-          <a:prstDash val="solid"/>
-        </a:ln>
-        <a:ln w="38100" cap="flat" cmpd="sng" algn="ctr">
-          <a:solidFill>
-            <a:schemeClr val="phClr"/>
-          </a:solidFill>
-          <a:prstDash val="solid"/>
-        </a:ln>
-      </a:lnStyleLst>
-      <a:effectStyleLst>
-        <a:effectStyle>
-          <a:effectLst>
-            <a:outerShdw blurRad="40000" dist="20000" dir="5400000" rotWithShape="0">
-              <a:srgbClr val="000000">
-                <a:alpha val="38000"/>
-              </a:srgbClr>
-            </a:outerShdw>
-          </a:effectLst>
-        </a:effectStyle>
-        <a:effectStyle>
-          <a:effectLst>
-            <a:outerShdw blurRad="40000" dist="23000" dir="5400000" rotWithShape="0">
-              <a:srgbClr val="000000">
-                <a:alpha val="35000"/>
-              </a:srgbClr>
-            </a:outerShdw>
-          </a:effectLst>
-        </a:effectStyle>
-        <a:effectStyle>
-          <a:effectLst>
-            <a:outerShdw blurRad="40000" dist="23000" dir="5400000" rotWithShape="0">
-              <a:srgbClr val="000000">
-                <a:alpha val="35000"/>
-              </a:srgbClr>
-            </a:outerShdw>
-          </a:effectLst>
-          <a:scene3d>
-            <a:camera prst="orthographicFront">
-              <a:rot lat="0" lon="0" rev="0"/>
-            </a:camera>
-            <a:lightRig rig="threePt" dir="t">
-              <a:rot lat="0" lon="0" rev="1200000"/>
-            </a:lightRig>
-          </a:scene3d>
-          <a:sp3d>
-            <a:bevelT w="63500" h="25400"/>
-          </a:sp3d>
-        </a:effectStyle>
-      </a:effectStyleLst>
-      <a:bgFillStyleLst>
-        <a:solidFill>
-          <a:schemeClr val="phClr"/>
-        </a:solidFill>
-        <a:gradFill rotWithShape="1">
-          <a:gsLst>
-            <a:gs pos="0">
-              <a:schemeClr val="phClr">
-                <a:tint val="40000"/>
-                <a:satMod val="350000"/>
-              </a:schemeClr>
-            </a:gs>
-            <a:gs pos="40000">
-              <a:schemeClr val="phClr">
-                <a:tint val="45000"/>
-                <a:shade val="99000"/>
-                <a:satMod val="350000"/>
-              </a:schemeClr>
-            </a:gs>
-            <a:gs pos="100000">
-              <a:schemeClr val="phClr">
-                <a:shade val="20000"/>
-                <a:satMod val="255000"/>
-              </a:schemeClr>
-            </a:gs>
-          </a:gsLst>
-          <a:path path="circle">
-            <a:fillToRect l="50000" t="-80000" r="50000" b="180000"/>
-          </a:path>
-        </a:gradFill>
-        <a:gradFill rotWithShape="1">
-          <a:gsLst>
-            <a:gs pos="0">
-              <a:schemeClr val="phClr">
-                <a:tint val="80000"/>
-                <a:satMod val="300000"/>
-              </a:schemeClr>
-            </a:gs>
-            <a:gs pos="100000">
-              <a:schemeClr val="phClr">
-                <a:shade val="30000"/>
-                <a:satMod val="200000"/>
-              </a:schemeClr>
-            </a:gs>
-          </a:gsLst>
-          <a:path path="circle">
-            <a:fillToRect l="50000" t="50000" r="50000" b="50000"/>
-          </a:path>
-        </a:gradFill>
-      </a:bgFillStyleLst>
-    </a:fmtScheme>
-  </a:themeElements>
-</a:theme>
 </file>